--- a/Artificial Intelligence Presentation.pptx
+++ b/Artificial Intelligence Presentation.pptx
@@ -275,7 +275,7 @@
       </p15:notesGuideLst>
     </p:ext>
     <p:ext uri="http://customooxmlschemas.google.com/">
-      <go:slidesCustomData xmlns:go="http://customooxmlschemas.google.com/" xmlns:p15="http://schemas.microsoft.com/office/powerpoint/2012/main" xmlns:p14="http://schemas.microsoft.com/office/powerpoint/2010/main" xmlns:com="http://schemas.openxmlformats.org/drawingml/2006/compatibility" xmlns:pvml="urn:schemas-microsoft-com:office:powerpoint" xmlns:v="urn:schemas-microsoft-com:vml" xmlns:o="urn:schemas-microsoft-com:office:office" xmlns:dgm="http://schemas.openxmlformats.org/drawingml/2006/diagram" xmlns:c="http://schemas.openxmlformats.org/drawingml/2006/chart" xmlns:mv="urn:schemas-microsoft-com:mac:vml" xmlns:mc="http://schemas.openxmlformats.org/markup-compatibility/2006" xmlns="" r:id="rId17" roundtripDataSignature="AMtx7miS316doKUK7ZKTfIoLgxv0ryc6zw=="/>
+      <go:slidesCustomData xmlns="" xmlns:mc="http://schemas.openxmlformats.org/markup-compatibility/2006" xmlns:mv="urn:schemas-microsoft-com:mac:vml" xmlns:c="http://schemas.openxmlformats.org/drawingml/2006/chart" xmlns:dgm="http://schemas.openxmlformats.org/drawingml/2006/diagram" xmlns:o="urn:schemas-microsoft-com:office:office" xmlns:v="urn:schemas-microsoft-com:vml" xmlns:pvml="urn:schemas-microsoft-com:office:powerpoint" xmlns:com="http://schemas.openxmlformats.org/drawingml/2006/compatibility" xmlns:p14="http://schemas.microsoft.com/office/powerpoint/2010/main" xmlns:p15="http://schemas.microsoft.com/office/powerpoint/2012/main" xmlns:go="http://customooxmlschemas.google.com/" r:id="rId17" roundtripDataSignature="AMtx7miS316doKUK7ZKTfIoLgxv0ryc6zw=="/>
     </p:ext>
   </p:extLst>
 </p:presentation>
@@ -9144,7 +9144,7 @@
             </a:pPr>
             <a:r>
               <a:rPr lang="en-IE" dirty="0"/>
-              <a:t>mankadp@tcd.ie- 18313732</a:t>
+              <a:t>mankadp@tcd.ie - 18313732</a:t>
             </a:r>
           </a:p>
           <a:p>
@@ -9162,12 +9162,16 @@
               <a:buNone/>
             </a:pPr>
             <a:r>
+              <a:rPr lang="en-IE" dirty="0"/>
+              <a:t>jeevasag@tcd.ie</a:t>
+            </a:r>
+            <a:r>
               <a:rPr lang="en-IE" dirty="0">
                 <a:solidFill>
                   <a:schemeClr val="lt1"/>
                 </a:solidFill>
               </a:rPr>
-              <a:t>jeevasag@tcd.ie-18303806</a:t>
+              <a:t> -18303806</a:t>
             </a:r>
             <a:endParaRPr dirty="0"/>
           </a:p>
@@ -9186,12 +9190,16 @@
               <a:buNone/>
             </a:pPr>
             <a:r>
+              <a:rPr lang="en-IE" dirty="0"/>
+              <a:t>ghoshso@tcd.ie</a:t>
+            </a:r>
+            <a:r>
               <a:rPr lang="en-IE" dirty="0">
                 <a:solidFill>
                   <a:schemeClr val="lt1"/>
                 </a:solidFill>
               </a:rPr>
-              <a:t>ghoshso@tcd.ie-19317919</a:t>
+              <a:t> -19317919</a:t>
             </a:r>
             <a:endParaRPr dirty="0"/>
           </a:p>
@@ -9210,12 +9218,16 @@
               <a:buNone/>
             </a:pPr>
             <a:r>
+              <a:rPr lang="en-IE" dirty="0"/>
+              <a:t>goelaa@tcd.ie</a:t>
+            </a:r>
+            <a:r>
               <a:rPr lang="en-IE" dirty="0">
                 <a:solidFill>
                   <a:schemeClr val="lt1"/>
                 </a:solidFill>
               </a:rPr>
-              <a:t>goelaa@tcd.ie- 19308546</a:t>
+              <a:t> - 19308546</a:t>
             </a:r>
             <a:endParaRPr dirty="0"/>
           </a:p>
@@ -9234,12 +9246,16 @@
               <a:buNone/>
             </a:pPr>
             <a:r>
+              <a:rPr lang="en-IE" dirty="0"/>
+              <a:t>chavadyg@tcd.ie</a:t>
+            </a:r>
+            <a:r>
               <a:rPr lang="en-IE" dirty="0">
                 <a:solidFill>
                   <a:schemeClr val="lt1"/>
                 </a:solidFill>
               </a:rPr>
-              <a:t>chavadyg@tcd.ie - </a:t>
+              <a:t>  -  19305272</a:t>
             </a:r>
             <a:endParaRPr dirty="0"/>
           </a:p>

--- a/Artificial Intelligence Presentation.pptx
+++ b/Artificial Intelligence Presentation.pptx
@@ -275,7 +275,7 @@
       </p15:notesGuideLst>
     </p:ext>
     <p:ext uri="http://customooxmlschemas.google.com/">
-      <go:slidesCustomData xmlns="" xmlns:mc="http://schemas.openxmlformats.org/markup-compatibility/2006" xmlns:mv="urn:schemas-microsoft-com:mac:vml" xmlns:c="http://schemas.openxmlformats.org/drawingml/2006/chart" xmlns:dgm="http://schemas.openxmlformats.org/drawingml/2006/diagram" xmlns:o="urn:schemas-microsoft-com:office:office" xmlns:v="urn:schemas-microsoft-com:vml" xmlns:pvml="urn:schemas-microsoft-com:office:powerpoint" xmlns:com="http://schemas.openxmlformats.org/drawingml/2006/compatibility" xmlns:p14="http://schemas.microsoft.com/office/powerpoint/2010/main" xmlns:p15="http://schemas.microsoft.com/office/powerpoint/2012/main" xmlns:go="http://customooxmlschemas.google.com/" r:id="rId17" roundtripDataSignature="AMtx7miS316doKUK7ZKTfIoLgxv0ryc6zw=="/>
+      <go:slidesCustomData xmlns:go="http://customooxmlschemas.google.com/" xmlns:p15="http://schemas.microsoft.com/office/powerpoint/2012/main" xmlns:p14="http://schemas.microsoft.com/office/powerpoint/2010/main" xmlns:com="http://schemas.openxmlformats.org/drawingml/2006/compatibility" xmlns:pvml="urn:schemas-microsoft-com:office:powerpoint" xmlns:v="urn:schemas-microsoft-com:vml" xmlns:o="urn:schemas-microsoft-com:office:office" xmlns:dgm="http://schemas.openxmlformats.org/drawingml/2006/diagram" xmlns:c="http://schemas.openxmlformats.org/drawingml/2006/chart" xmlns:mv="urn:schemas-microsoft-com:mac:vml" xmlns:mc="http://schemas.openxmlformats.org/markup-compatibility/2006" xmlns="" r:id="rId17" roundtripDataSignature="AMtx7miS316doKUK7ZKTfIoLgxv0ryc6zw=="/>
     </p:ext>
   </p:extLst>
 </p:presentation>

--- a/Artificial Intelligence Presentation.pptx
+++ b/Artificial Intelligence Presentation.pptx
@@ -275,7 +275,7 @@
       </p15:notesGuideLst>
     </p:ext>
     <p:ext uri="http://customooxmlschemas.google.com/">
-      <go:slidesCustomData xmlns:go="http://customooxmlschemas.google.com/" xmlns:p15="http://schemas.microsoft.com/office/powerpoint/2012/main" xmlns:p14="http://schemas.microsoft.com/office/powerpoint/2010/main" xmlns:com="http://schemas.openxmlformats.org/drawingml/2006/compatibility" xmlns:pvml="urn:schemas-microsoft-com:office:powerpoint" xmlns:v="urn:schemas-microsoft-com:vml" xmlns:o="urn:schemas-microsoft-com:office:office" xmlns:dgm="http://schemas.openxmlformats.org/drawingml/2006/diagram" xmlns:c="http://schemas.openxmlformats.org/drawingml/2006/chart" xmlns:mv="urn:schemas-microsoft-com:mac:vml" xmlns:mc="http://schemas.openxmlformats.org/markup-compatibility/2006" xmlns="" r:id="rId17" roundtripDataSignature="AMtx7miS316doKUK7ZKTfIoLgxv0ryc6zw=="/>
+      <go:slidesCustomData xmlns="" xmlns:mc="http://schemas.openxmlformats.org/markup-compatibility/2006" xmlns:mv="urn:schemas-microsoft-com:mac:vml" xmlns:c="http://schemas.openxmlformats.org/drawingml/2006/chart" xmlns:dgm="http://schemas.openxmlformats.org/drawingml/2006/diagram" xmlns:o="urn:schemas-microsoft-com:office:office" xmlns:v="urn:schemas-microsoft-com:vml" xmlns:pvml="urn:schemas-microsoft-com:office:powerpoint" xmlns:com="http://schemas.openxmlformats.org/drawingml/2006/compatibility" xmlns:p14="http://schemas.microsoft.com/office/powerpoint/2010/main" xmlns:p15="http://schemas.microsoft.com/office/powerpoint/2012/main" xmlns:go="http://customooxmlschemas.google.com/" r:id="rId17" roundtripDataSignature="AMtx7miS316doKUK7ZKTfIoLgxv0ryc6zw=="/>
     </p:ext>
   </p:extLst>
 </p:presentation>
@@ -9340,8 +9340,8 @@
         </p:nvSpPr>
         <p:spPr>
           <a:xfrm>
-            <a:off x="828675" y="1716275"/>
-            <a:ext cx="7500900" cy="4018800"/>
+            <a:off x="653854" y="1419599"/>
+            <a:ext cx="7500900" cy="4400469"/>
           </a:xfrm>
           <a:prstGeom prst="rect">
             <a:avLst/>
@@ -9362,29 +9362,115 @@
               </a:spcAft>
               <a:buNone/>
             </a:pPr>
-            <a:endParaRPr sz="1800" u="sng" dirty="0">
-              <a:latin typeface="Times New Roman"/>
+            <a:r>
+              <a:rPr lang="en-IN" sz="1400" dirty="0">
+                <a:latin typeface="Times New Roman" panose="02020603050405020304" pitchFamily="18" charset="0"/>
+                <a:ea typeface="Times New Roman"/>
+                <a:cs typeface="Times New Roman" panose="02020603050405020304" pitchFamily="18" charset="0"/>
+                <a:sym typeface="Times New Roman"/>
+              </a:rPr>
+              <a:t>8 possible Knight moves</a:t>
+            </a:r>
+          </a:p>
+          <a:p>
+            <a:pPr marL="0" lvl="0" indent="0" algn="l" rtl="0">
+              <a:spcBef>
+                <a:spcPts val="1417"/>
+              </a:spcBef>
+              <a:spcAft>
+                <a:spcPts val="0"/>
+              </a:spcAft>
+              <a:buNone/>
+            </a:pPr>
+            <a:r>
+              <a:rPr lang="en-IN" sz="1400" dirty="0">
+                <a:latin typeface="Times New Roman" panose="02020603050405020304" pitchFamily="18" charset="0"/>
+                <a:ea typeface="Times New Roman"/>
+                <a:cs typeface="Times New Roman" panose="02020603050405020304" pitchFamily="18" charset="0"/>
+                <a:sym typeface="Times New Roman"/>
+              </a:rPr>
+              <a:t>Traverse all squares from a random position</a:t>
+            </a:r>
+          </a:p>
+          <a:p>
+            <a:pPr marL="0" lvl="0" indent="0" algn="l" rtl="0">
+              <a:spcBef>
+                <a:spcPts val="1417"/>
+              </a:spcBef>
+              <a:spcAft>
+                <a:spcPts val="0"/>
+              </a:spcAft>
+              <a:buNone/>
+            </a:pPr>
+            <a:r>
+              <a:rPr lang="en-IN" sz="1400" dirty="0">
+                <a:latin typeface="Times New Roman" panose="02020603050405020304" pitchFamily="18" charset="0"/>
+                <a:ea typeface="Times New Roman"/>
+                <a:cs typeface="Times New Roman" panose="02020603050405020304" pitchFamily="18" charset="0"/>
+                <a:sym typeface="Times New Roman"/>
+              </a:rPr>
+              <a:t>Return to start position after visiting every square once</a:t>
+            </a:r>
+          </a:p>
+          <a:p>
+            <a:pPr marL="0" lvl="0" indent="0" algn="l" rtl="0">
+              <a:spcBef>
+                <a:spcPts val="1417"/>
+              </a:spcBef>
+              <a:spcAft>
+                <a:spcPts val="0"/>
+              </a:spcAft>
+              <a:buNone/>
+            </a:pPr>
+            <a:r>
+              <a:rPr lang="en-IN" sz="1400" dirty="0">
+                <a:latin typeface="Times New Roman" panose="02020603050405020304" pitchFamily="18" charset="0"/>
+                <a:ea typeface="Times New Roman"/>
+                <a:cs typeface="Times New Roman" panose="02020603050405020304" pitchFamily="18" charset="0"/>
+                <a:sym typeface="Times New Roman"/>
+              </a:rPr>
+              <a:t>Two type of tours</a:t>
+            </a:r>
+          </a:p>
+          <a:p>
+            <a:pPr marL="0" lvl="0" indent="0" algn="l" rtl="0">
+              <a:spcBef>
+                <a:spcPts val="1417"/>
+              </a:spcBef>
+              <a:spcAft>
+                <a:spcPts val="0"/>
+              </a:spcAft>
+              <a:buNone/>
+            </a:pPr>
+            <a:r>
+              <a:rPr lang="en-IN" sz="1400" dirty="0">
+                <a:latin typeface="Times New Roman" panose="02020603050405020304" pitchFamily="18" charset="0"/>
+                <a:ea typeface="Times New Roman"/>
+                <a:cs typeface="Times New Roman" panose="02020603050405020304" pitchFamily="18" charset="0"/>
+                <a:sym typeface="Times New Roman"/>
+              </a:rPr>
+              <a:t>	-open tour (uses Hamiltonian path)</a:t>
+            </a:r>
+            <a:endParaRPr sz="1400" dirty="0">
+              <a:latin typeface="Times New Roman" panose="02020603050405020304" pitchFamily="18" charset="0"/>
               <a:ea typeface="Times New Roman"/>
-              <a:cs typeface="Times New Roman"/>
+              <a:cs typeface="Times New Roman" panose="02020603050405020304" pitchFamily="18" charset="0"/>
               <a:sym typeface="Times New Roman"/>
             </a:endParaRPr>
           </a:p>
           <a:p>
-            <a:pPr marL="0" lvl="0" indent="0" algn="l" rtl="0">
-              <a:spcBef>
-                <a:spcPts val="1417"/>
-              </a:spcBef>
-              <a:spcAft>
-                <a:spcPts val="0"/>
-              </a:spcAft>
+            <a:pPr marL="0" lvl="0" indent="0">
               <a:buNone/>
             </a:pPr>
-            <a:endParaRPr sz="1800" dirty="0">
-              <a:latin typeface="Times New Roman"/>
-              <a:ea typeface="Times New Roman"/>
-              <a:cs typeface="Times New Roman"/>
-              <a:sym typeface="Times New Roman"/>
-            </a:endParaRPr>
+            <a:r>
+              <a:rPr lang="en-IN" sz="1400" dirty="0">
+                <a:latin typeface="Times New Roman" panose="02020603050405020304" pitchFamily="18" charset="0"/>
+                <a:ea typeface="Times New Roman"/>
+                <a:cs typeface="Times New Roman" panose="02020603050405020304" pitchFamily="18" charset="0"/>
+                <a:sym typeface="Times New Roman"/>
+              </a:rPr>
+              <a:t>	-closed tour (uses Hamiltonian circuit)</a:t>
+            </a:r>
           </a:p>
           <a:p>
             <a:pPr marL="0" lvl="0" indent="0" algn="l" rtl="0">
@@ -9396,10 +9482,48 @@
               </a:spcAft>
               <a:buNone/>
             </a:pPr>
-            <a:endParaRPr sz="1800" dirty="0">
-              <a:latin typeface="Times New Roman"/>
+            <a:r>
+              <a:rPr lang="en-IN" sz="1400" dirty="0">
+                <a:latin typeface="Times New Roman" panose="02020603050405020304" pitchFamily="18" charset="0"/>
+                <a:ea typeface="Times New Roman"/>
+                <a:cs typeface="Times New Roman" panose="02020603050405020304" pitchFamily="18" charset="0"/>
+                <a:sym typeface="Times New Roman"/>
+              </a:rPr>
+              <a:t>L shaped moves</a:t>
+            </a:r>
+          </a:p>
+          <a:p>
+            <a:pPr marL="0" lvl="0" indent="0" algn="l" rtl="0">
+              <a:spcBef>
+                <a:spcPts val="1417"/>
+              </a:spcBef>
+              <a:spcAft>
+                <a:spcPts val="0"/>
+              </a:spcAft>
+              <a:buNone/>
+            </a:pPr>
+            <a:r>
+              <a:rPr lang="en-IN" sz="1400" dirty="0">
+                <a:latin typeface="Times New Roman" panose="02020603050405020304" pitchFamily="18" charset="0"/>
+                <a:ea typeface="Times New Roman"/>
+                <a:cs typeface="Times New Roman" panose="02020603050405020304" pitchFamily="18" charset="0"/>
+                <a:sym typeface="Times New Roman"/>
+              </a:rPr>
+              <a:t>Selected possible moves</a:t>
+            </a:r>
+          </a:p>
+          <a:p>
+            <a:r>
+              <a:rPr lang="en-IN" sz="1600" dirty="0">
+                <a:latin typeface="Times New Roman" panose="02020603050405020304" pitchFamily="18" charset="0"/>
+                <a:cs typeface="Times New Roman" panose="02020603050405020304" pitchFamily="18" charset="0"/>
+              </a:rPr>
+              <a:t>(2, 1), (1, 2), (-1, 2), (-2, 1), (-2, -1), (-1, -2), (1, -2), (2, -1).</a:t>
+            </a:r>
+            <a:endParaRPr sz="1400" dirty="0">
+              <a:latin typeface="Times New Roman" panose="02020603050405020304" pitchFamily="18" charset="0"/>
               <a:ea typeface="Times New Roman"/>
-              <a:cs typeface="Times New Roman"/>
+              <a:cs typeface="Times New Roman" panose="02020603050405020304" pitchFamily="18" charset="0"/>
               <a:sym typeface="Times New Roman"/>
             </a:endParaRPr>
           </a:p>
@@ -9452,6 +9576,36 @@
           </a:p>
         </p:txBody>
       </p:sp>
+      <p:pic>
+        <p:nvPicPr>
+          <p:cNvPr id="5" name="Picture 4" descr="A close up of text on a white surface&#10;&#10;Description automatically generated">
+            <a:extLst>
+              <a:ext uri="{FF2B5EF4-FFF2-40B4-BE49-F238E27FC236}">
+                <a16:creationId xmlns:a16="http://schemas.microsoft.com/office/drawing/2014/main" id="{4FC25C92-5C05-4CC0-B9D5-80A42FC14F4F}"/>
+              </a:ext>
+            </a:extLst>
+          </p:cNvPr>
+          <p:cNvPicPr>
+            <a:picLocks noChangeAspect="1"/>
+          </p:cNvPicPr>
+          <p:nvPr/>
+        </p:nvPicPr>
+        <p:blipFill>
+          <a:blip r:embed="rId3"/>
+          <a:stretch>
+            <a:fillRect/>
+          </a:stretch>
+        </p:blipFill>
+        <p:spPr>
+          <a:xfrm>
+            <a:off x="5895438" y="2301841"/>
+            <a:ext cx="2259316" cy="2254919"/>
+          </a:xfrm>
+          <a:prstGeom prst="rect">
+            <a:avLst/>
+          </a:prstGeom>
+        </p:spPr>
+      </p:pic>
     </p:spTree>
   </p:cSld>
   <p:clrMapOvr>
@@ -9850,6 +10004,173 @@
               <a:t>4</a:t>
             </a:fld>
             <a:endParaRPr/>
+          </a:p>
+        </p:txBody>
+      </p:sp>
+      <p:sp>
+        <p:nvSpPr>
+          <p:cNvPr id="2" name="TextBox 1">
+            <a:extLst>
+              <a:ext uri="{FF2B5EF4-FFF2-40B4-BE49-F238E27FC236}">
+                <a16:creationId xmlns:a16="http://schemas.microsoft.com/office/drawing/2014/main" id="{80352E0D-3823-41AA-9BBF-F95909599B68}"/>
+              </a:ext>
+            </a:extLst>
+          </p:cNvPr>
+          <p:cNvSpPr txBox="1"/>
+          <p:nvPr/>
+        </p:nvSpPr>
+        <p:spPr>
+          <a:xfrm>
+            <a:off x="416560" y="1950720"/>
+            <a:ext cx="8087360" cy="3539430"/>
+          </a:xfrm>
+          <a:prstGeom prst="rect">
+            <a:avLst/>
+          </a:prstGeom>
+          <a:noFill/>
+        </p:spPr>
+        <p:txBody>
+          <a:bodyPr wrap="square" rtlCol="0">
+            <a:spAutoFit/>
+          </a:bodyPr>
+          <a:lstStyle/>
+          <a:p>
+            <a:r>
+              <a:rPr lang="en-IN" dirty="0">
+                <a:latin typeface="Times New Roman" panose="02020603050405020304" pitchFamily="18" charset="0"/>
+                <a:cs typeface="Times New Roman" panose="02020603050405020304" pitchFamily="18" charset="0"/>
+              </a:rPr>
+              <a:t> compared the performance of algorithms on 8 x 8 chess board.</a:t>
+            </a:r>
+          </a:p>
+          <a:p>
+            <a:endParaRPr lang="en-IN" dirty="0">
+              <a:latin typeface="Times New Roman" panose="02020603050405020304" pitchFamily="18" charset="0"/>
+              <a:cs typeface="Times New Roman" panose="02020603050405020304" pitchFamily="18" charset="0"/>
+            </a:endParaRPr>
+          </a:p>
+          <a:p>
+            <a:r>
+              <a:rPr lang="en-IN" dirty="0">
+                <a:latin typeface="Times New Roman" panose="02020603050405020304" pitchFamily="18" charset="0"/>
+                <a:cs typeface="Times New Roman" panose="02020603050405020304" pitchFamily="18" charset="0"/>
+              </a:rPr>
+              <a:t>Our novel approaches perform well </a:t>
+            </a:r>
+          </a:p>
+          <a:p>
+            <a:endParaRPr lang="en-IN" dirty="0">
+              <a:latin typeface="Times New Roman" panose="02020603050405020304" pitchFamily="18" charset="0"/>
+              <a:cs typeface="Times New Roman" panose="02020603050405020304" pitchFamily="18" charset="0"/>
+            </a:endParaRPr>
+          </a:p>
+          <a:p>
+            <a:r>
+              <a:rPr lang="en-IN" dirty="0">
+                <a:latin typeface="Times New Roman" panose="02020603050405020304" pitchFamily="18" charset="0"/>
+                <a:cs typeface="Times New Roman" panose="02020603050405020304" pitchFamily="18" charset="0"/>
+              </a:rPr>
+              <a:t>Depth first search</a:t>
+            </a:r>
+          </a:p>
+          <a:p>
+            <a:r>
+              <a:rPr lang="en-IN" dirty="0">
+                <a:latin typeface="Times New Roman" panose="02020603050405020304" pitchFamily="18" charset="0"/>
+                <a:cs typeface="Times New Roman" panose="02020603050405020304" pitchFamily="18" charset="0"/>
+              </a:rPr>
+              <a:t>	old off the shelve approach with large time and space complexity</a:t>
+            </a:r>
+          </a:p>
+          <a:p>
+            <a:r>
+              <a:rPr lang="en-IN" dirty="0">
+                <a:latin typeface="Times New Roman" panose="02020603050405020304" pitchFamily="18" charset="0"/>
+                <a:cs typeface="Times New Roman" panose="02020603050405020304" pitchFamily="18" charset="0"/>
+              </a:rPr>
+              <a:t>Warnsdorff’s Algorithm</a:t>
+            </a:r>
+          </a:p>
+          <a:p>
+            <a:r>
+              <a:rPr lang="en-IN" dirty="0">
+                <a:latin typeface="Times New Roman" panose="02020603050405020304" pitchFamily="18" charset="0"/>
+                <a:cs typeface="Times New Roman" panose="02020603050405020304" pitchFamily="18" charset="0"/>
+              </a:rPr>
+              <a:t>	non deterministic and unreliable</a:t>
+            </a:r>
+          </a:p>
+          <a:p>
+            <a:r>
+              <a:rPr lang="en-IN" dirty="0">
+                <a:latin typeface="Times New Roman" panose="02020603050405020304" pitchFamily="18" charset="0"/>
+                <a:cs typeface="Times New Roman" panose="02020603050405020304" pitchFamily="18" charset="0"/>
+              </a:rPr>
+              <a:t>Backtracking</a:t>
+            </a:r>
+          </a:p>
+          <a:p>
+            <a:r>
+              <a:rPr lang="en-IN" dirty="0">
+                <a:latin typeface="Times New Roman" panose="02020603050405020304" pitchFamily="18" charset="0"/>
+                <a:cs typeface="Times New Roman" panose="02020603050405020304" pitchFamily="18" charset="0"/>
+              </a:rPr>
+              <a:t>	slower and lead to dead ends</a:t>
+            </a:r>
+          </a:p>
+          <a:p>
+            <a:r>
+              <a:rPr lang="en-IN" dirty="0">
+                <a:latin typeface="Times New Roman" panose="02020603050405020304" pitchFamily="18" charset="0"/>
+                <a:cs typeface="Times New Roman" panose="02020603050405020304" pitchFamily="18" charset="0"/>
+              </a:rPr>
+              <a:t>Neural network solution</a:t>
+            </a:r>
+          </a:p>
+          <a:p>
+            <a:r>
+              <a:rPr lang="en-IN" dirty="0">
+                <a:latin typeface="Times New Roman" panose="02020603050405020304" pitchFamily="18" charset="0"/>
+                <a:cs typeface="Times New Roman" panose="02020603050405020304" pitchFamily="18" charset="0"/>
+              </a:rPr>
+              <a:t>	faster computation and also suitable for larger sized boards</a:t>
+            </a:r>
+          </a:p>
+          <a:p>
+            <a:r>
+              <a:rPr lang="en-IN" dirty="0">
+                <a:latin typeface="Times New Roman" panose="02020603050405020304" pitchFamily="18" charset="0"/>
+                <a:cs typeface="Times New Roman" panose="02020603050405020304" pitchFamily="18" charset="0"/>
+              </a:rPr>
+              <a:t>Ant colony optimization</a:t>
+            </a:r>
+          </a:p>
+          <a:p>
+            <a:r>
+              <a:rPr lang="en-IN" dirty="0">
+                <a:latin typeface="Times New Roman" panose="02020603050405020304" pitchFamily="18" charset="0"/>
+                <a:cs typeface="Times New Roman" panose="02020603050405020304" pitchFamily="18" charset="0"/>
+              </a:rPr>
+              <a:t>	single ant colony converge to one path and may lead to dead end</a:t>
+            </a:r>
+          </a:p>
+          <a:p>
+            <a:r>
+              <a:rPr lang="en-IN" dirty="0">
+                <a:latin typeface="Times New Roman" panose="02020603050405020304" pitchFamily="18" charset="0"/>
+                <a:cs typeface="Times New Roman" panose="02020603050405020304" pitchFamily="18" charset="0"/>
+              </a:rPr>
+              <a:t>	multiple ant colony lead to multiple optimum paths</a:t>
+            </a:r>
+          </a:p>
+          <a:p>
+            <a:r>
+              <a:rPr lang="en-IN" dirty="0">
+                <a:latin typeface="Times New Roman" panose="02020603050405020304" pitchFamily="18" charset="0"/>
+                <a:cs typeface="Times New Roman" panose="02020603050405020304" pitchFamily="18" charset="0"/>
+              </a:rPr>
+              <a:t>	</a:t>
+            </a:r>
           </a:p>
         </p:txBody>
       </p:sp>

--- a/Artificial Intelligence Presentation.pptx
+++ b/Artificial Intelligence Presentation.pptx
@@ -275,7 +275,7 @@
       </p15:notesGuideLst>
     </p:ext>
     <p:ext uri="http://customooxmlschemas.google.com/">
-      <go:slidesCustomData xmlns="" xmlns:mc="http://schemas.openxmlformats.org/markup-compatibility/2006" xmlns:mv="urn:schemas-microsoft-com:mac:vml" xmlns:c="http://schemas.openxmlformats.org/drawingml/2006/chart" xmlns:dgm="http://schemas.openxmlformats.org/drawingml/2006/diagram" xmlns:o="urn:schemas-microsoft-com:office:office" xmlns:v="urn:schemas-microsoft-com:vml" xmlns:pvml="urn:schemas-microsoft-com:office:powerpoint" xmlns:com="http://schemas.openxmlformats.org/drawingml/2006/compatibility" xmlns:p14="http://schemas.microsoft.com/office/powerpoint/2010/main" xmlns:p15="http://schemas.microsoft.com/office/powerpoint/2012/main" xmlns:go="http://customooxmlschemas.google.com/" r:id="rId17" roundtripDataSignature="AMtx7miS316doKUK7ZKTfIoLgxv0ryc6zw=="/>
+      <go:slidesCustomData xmlns:go="http://customooxmlschemas.google.com/" xmlns:p15="http://schemas.microsoft.com/office/powerpoint/2012/main" xmlns:p14="http://schemas.microsoft.com/office/powerpoint/2010/main" xmlns:com="http://schemas.openxmlformats.org/drawingml/2006/compatibility" xmlns:pvml="urn:schemas-microsoft-com:office:powerpoint" xmlns:v="urn:schemas-microsoft-com:vml" xmlns:o="urn:schemas-microsoft-com:office:office" xmlns:dgm="http://schemas.openxmlformats.org/drawingml/2006/diagram" xmlns:c="http://schemas.openxmlformats.org/drawingml/2006/chart" xmlns:mv="urn:schemas-microsoft-com:mac:vml" xmlns:mc="http://schemas.openxmlformats.org/markup-compatibility/2006" xmlns="" r:id="rId17" roundtripDataSignature="AMtx7miS316doKUK7ZKTfIoLgxv0ryc6zw=="/>
     </p:ext>
   </p:extLst>
 </p:presentation>
@@ -9298,7 +9298,7 @@
         </p:nvSpPr>
         <p:spPr>
           <a:xfrm>
-            <a:off x="828674" y="329520"/>
+            <a:off x="363705" y="476331"/>
             <a:ext cx="7500900" cy="561600"/>
           </a:xfrm>
           <a:prstGeom prst="rect">
@@ -9340,8 +9340,8 @@
         </p:nvSpPr>
         <p:spPr>
           <a:xfrm>
-            <a:off x="653854" y="1419599"/>
-            <a:ext cx="7500900" cy="4400469"/>
+            <a:off x="363705" y="1419600"/>
+            <a:ext cx="5334842" cy="4400469"/>
           </a:xfrm>
           <a:prstGeom prst="rect">
             <a:avLst/>
@@ -9353,35 +9353,93 @@
           </a:bodyPr>
           <a:lstStyle/>
           <a:p>
-            <a:pPr marL="0" lvl="0" indent="0" algn="l" rtl="0">
-              <a:spcBef>
-                <a:spcPts val="1417"/>
-              </a:spcBef>
-              <a:spcAft>
-                <a:spcPts val="0"/>
-              </a:spcAft>
+            <a:pPr marL="0" lvl="0" indent="0" algn="just">
               <a:buNone/>
             </a:pPr>
             <a:r>
-              <a:rPr lang="en-IN" sz="1400" dirty="0">
+              <a:rPr lang="en-GB" sz="1400" dirty="0">
                 <a:latin typeface="Times New Roman" panose="02020603050405020304" pitchFamily="18" charset="0"/>
                 <a:ea typeface="Times New Roman"/>
                 <a:cs typeface="Times New Roman" panose="02020603050405020304" pitchFamily="18" charset="0"/>
                 <a:sym typeface="Times New Roman"/>
               </a:rPr>
-              <a:t>8 possible Knight moves</a:t>
+              <a:t>A knight's tour is a series of a knight's moves on a chessboard, such that the knight reaches each square precisely once.</a:t>
             </a:r>
           </a:p>
           <a:p>
-            <a:pPr marL="0" lvl="0" indent="0" algn="l" rtl="0">
-              <a:spcBef>
-                <a:spcPts val="1417"/>
-              </a:spcBef>
-              <a:spcAft>
-                <a:spcPts val="0"/>
-              </a:spcAft>
+            <a:pPr marL="0" lvl="0" indent="0" algn="just">
               <a:buNone/>
             </a:pPr>
+            <a:r>
+              <a:rPr lang="en-GB" sz="1400" dirty="0">
+                <a:latin typeface="Times New Roman" panose="02020603050405020304" pitchFamily="18" charset="0"/>
+                <a:ea typeface="Times New Roman"/>
+                <a:cs typeface="Times New Roman" panose="02020603050405020304" pitchFamily="18" charset="0"/>
+                <a:sym typeface="Times New Roman"/>
+              </a:rPr>
+              <a:t>There are two categories of tours.</a:t>
+            </a:r>
+          </a:p>
+          <a:p>
+            <a:pPr marL="285750" indent="-285750" algn="just"/>
+            <a:r>
+              <a:rPr lang="en-GB" sz="1400" i="1" dirty="0">
+                <a:latin typeface="Times New Roman" panose="02020603050405020304" pitchFamily="18" charset="0"/>
+                <a:ea typeface="Times New Roman"/>
+                <a:cs typeface="Times New Roman" panose="02020603050405020304" pitchFamily="18" charset="0"/>
+                <a:sym typeface="Times New Roman"/>
+              </a:rPr>
+              <a:t>Closed Tour </a:t>
+            </a:r>
+            <a:r>
+              <a:rPr lang="en-GB" sz="1400" dirty="0">
+                <a:latin typeface="Times New Roman" panose="02020603050405020304" pitchFamily="18" charset="0"/>
+                <a:ea typeface="Times New Roman"/>
+                <a:cs typeface="Times New Roman" panose="02020603050405020304" pitchFamily="18" charset="0"/>
+                <a:sym typeface="Times New Roman"/>
+              </a:rPr>
+              <a:t>: If the knight begins on a square which is the move of one knight from the beginning square (so that it may subsequently tour the board again, taking the same path)</a:t>
+            </a:r>
+          </a:p>
+          <a:p>
+            <a:pPr marL="285750" indent="-285750" algn="just"/>
+            <a:r>
+              <a:rPr lang="en-GB" sz="1400" i="1" dirty="0">
+                <a:latin typeface="Times New Roman" panose="02020603050405020304" pitchFamily="18" charset="0"/>
+                <a:ea typeface="Times New Roman"/>
+                <a:cs typeface="Times New Roman" panose="02020603050405020304" pitchFamily="18" charset="0"/>
+                <a:sym typeface="Times New Roman"/>
+              </a:rPr>
+              <a:t>Open Tour</a:t>
+            </a:r>
+            <a:r>
+              <a:rPr lang="en-GB" sz="1400" dirty="0">
+                <a:latin typeface="Times New Roman" panose="02020603050405020304" pitchFamily="18" charset="0"/>
+                <a:ea typeface="Times New Roman"/>
+                <a:cs typeface="Times New Roman" panose="02020603050405020304" pitchFamily="18" charset="0"/>
+                <a:sym typeface="Times New Roman"/>
+              </a:rPr>
+              <a:t> : If the knight begins on a square, visits every square once and ends up on a square which is different than the beginning square.</a:t>
+            </a:r>
+            <a:endParaRPr lang="en-GB" sz="1400" i="1" dirty="0">
+              <a:latin typeface="Times New Roman" panose="02020603050405020304" pitchFamily="18" charset="0"/>
+              <a:ea typeface="Times New Roman"/>
+              <a:cs typeface="Times New Roman" panose="02020603050405020304" pitchFamily="18" charset="0"/>
+              <a:sym typeface="Times New Roman"/>
+            </a:endParaRPr>
+          </a:p>
+          <a:p>
+            <a:pPr marL="0" indent="0" algn="just">
+              <a:buNone/>
+            </a:pPr>
+            <a:r>
+              <a:rPr lang="en-IN" sz="1400" dirty="0">
+                <a:latin typeface="Times New Roman" panose="02020603050405020304" pitchFamily="18" charset="0"/>
+                <a:cs typeface="Times New Roman" panose="02020603050405020304" pitchFamily="18" charset="0"/>
+                <a:sym typeface="Times New Roman"/>
+              </a:rPr>
+              <a:t>The moves are L shaped. </a:t>
+            </a:r>
             <a:r>
               <a:rPr lang="en-IN" sz="1400" dirty="0">
                 <a:latin typeface="Times New Roman" panose="02020603050405020304" pitchFamily="18" charset="0"/>
@@ -9393,7 +9451,7 @@
             </a:r>
           </a:p>
           <a:p>
-            <a:pPr marL="0" lvl="0" indent="0" algn="l" rtl="0">
+            <a:pPr marL="0" lvl="0" indent="0" algn="just" rtl="0">
               <a:spcBef>
                 <a:spcPts val="1417"/>
               </a:spcBef>
@@ -9413,7 +9471,7 @@
             </a:r>
           </a:p>
           <a:p>
-            <a:pPr marL="0" lvl="0" indent="0" algn="l" rtl="0">
+            <a:pPr marL="0" lvl="0" indent="0" algn="just" rtl="0">
               <a:spcBef>
                 <a:spcPts val="1417"/>
               </a:spcBef>
@@ -9429,11 +9487,11 @@
                 <a:cs typeface="Times New Roman" panose="02020603050405020304" pitchFamily="18" charset="0"/>
                 <a:sym typeface="Times New Roman"/>
               </a:rPr>
-              <a:t>Two type of tours</a:t>
+              <a:t>Selected possible moves imagining the knight is at 0,0 (origin)</a:t>
             </a:r>
           </a:p>
           <a:p>
-            <a:pPr marL="0" lvl="0" indent="0" algn="l" rtl="0">
+            <a:pPr marL="0" lvl="0" indent="0" algn="just" rtl="0">
               <a:spcBef>
                 <a:spcPts val="1417"/>
               </a:spcBef>
@@ -9442,77 +9500,6 @@
               </a:spcAft>
               <a:buNone/>
             </a:pPr>
-            <a:r>
-              <a:rPr lang="en-IN" sz="1400" dirty="0">
-                <a:latin typeface="Times New Roman" panose="02020603050405020304" pitchFamily="18" charset="0"/>
-                <a:ea typeface="Times New Roman"/>
-                <a:cs typeface="Times New Roman" panose="02020603050405020304" pitchFamily="18" charset="0"/>
-                <a:sym typeface="Times New Roman"/>
-              </a:rPr>
-              <a:t>	-open tour (uses Hamiltonian path)</a:t>
-            </a:r>
-            <a:endParaRPr sz="1400" dirty="0">
-              <a:latin typeface="Times New Roman" panose="02020603050405020304" pitchFamily="18" charset="0"/>
-              <a:ea typeface="Times New Roman"/>
-              <a:cs typeface="Times New Roman" panose="02020603050405020304" pitchFamily="18" charset="0"/>
-              <a:sym typeface="Times New Roman"/>
-            </a:endParaRPr>
-          </a:p>
-          <a:p>
-            <a:pPr marL="0" lvl="0" indent="0">
-              <a:buNone/>
-            </a:pPr>
-            <a:r>
-              <a:rPr lang="en-IN" sz="1400" dirty="0">
-                <a:latin typeface="Times New Roman" panose="02020603050405020304" pitchFamily="18" charset="0"/>
-                <a:ea typeface="Times New Roman"/>
-                <a:cs typeface="Times New Roman" panose="02020603050405020304" pitchFamily="18" charset="0"/>
-                <a:sym typeface="Times New Roman"/>
-              </a:rPr>
-              <a:t>	-closed tour (uses Hamiltonian circuit)</a:t>
-            </a:r>
-          </a:p>
-          <a:p>
-            <a:pPr marL="0" lvl="0" indent="0" algn="l" rtl="0">
-              <a:spcBef>
-                <a:spcPts val="1417"/>
-              </a:spcBef>
-              <a:spcAft>
-                <a:spcPts val="0"/>
-              </a:spcAft>
-              <a:buNone/>
-            </a:pPr>
-            <a:r>
-              <a:rPr lang="en-IN" sz="1400" dirty="0">
-                <a:latin typeface="Times New Roman" panose="02020603050405020304" pitchFamily="18" charset="0"/>
-                <a:ea typeface="Times New Roman"/>
-                <a:cs typeface="Times New Roman" panose="02020603050405020304" pitchFamily="18" charset="0"/>
-                <a:sym typeface="Times New Roman"/>
-              </a:rPr>
-              <a:t>L shaped moves</a:t>
-            </a:r>
-          </a:p>
-          <a:p>
-            <a:pPr marL="0" lvl="0" indent="0" algn="l" rtl="0">
-              <a:spcBef>
-                <a:spcPts val="1417"/>
-              </a:spcBef>
-              <a:spcAft>
-                <a:spcPts val="0"/>
-              </a:spcAft>
-              <a:buNone/>
-            </a:pPr>
-            <a:r>
-              <a:rPr lang="en-IN" sz="1400" dirty="0">
-                <a:latin typeface="Times New Roman" panose="02020603050405020304" pitchFamily="18" charset="0"/>
-                <a:ea typeface="Times New Roman"/>
-                <a:cs typeface="Times New Roman" panose="02020603050405020304" pitchFamily="18" charset="0"/>
-                <a:sym typeface="Times New Roman"/>
-              </a:rPr>
-              <a:t>Selected possible moves</a:t>
-            </a:r>
-          </a:p>
-          <a:p>
             <a:r>
               <a:rPr lang="en-IN" sz="1600" dirty="0">
                 <a:latin typeface="Times New Roman" panose="02020603050405020304" pitchFamily="18" charset="0"/>
@@ -9578,10 +9565,10 @@
       </p:sp>
       <p:pic>
         <p:nvPicPr>
-          <p:cNvPr id="5" name="Picture 4" descr="A close up of text on a white surface&#10;&#10;Description automatically generated">
+          <p:cNvPr id="3" name="Picture 2" descr="A picture containing yellow, bus, display, water&#10;&#10;Description automatically generated">
             <a:extLst>
               <a:ext uri="{FF2B5EF4-FFF2-40B4-BE49-F238E27FC236}">
-                <a16:creationId xmlns:a16="http://schemas.microsoft.com/office/drawing/2014/main" id="{4FC25C92-5C05-4CC0-B9D5-80A42FC14F4F}"/>
+                <a16:creationId xmlns:a16="http://schemas.microsoft.com/office/drawing/2014/main" id="{F11C0AB3-1A45-43BA-92FC-71C6BFA76744}"/>
               </a:ext>
             </a:extLst>
           </p:cNvPr>
@@ -9598,14 +9585,50 @@
         </p:blipFill>
         <p:spPr>
           <a:xfrm>
-            <a:off x="5895438" y="2301841"/>
-            <a:ext cx="2259316" cy="2254919"/>
+            <a:off x="6112875" y="2125295"/>
+            <a:ext cx="2636013" cy="2636013"/>
           </a:xfrm>
           <a:prstGeom prst="rect">
             <a:avLst/>
           </a:prstGeom>
         </p:spPr>
       </p:pic>
+      <p:sp>
+        <p:nvSpPr>
+          <p:cNvPr id="4" name="TextBox 3">
+            <a:extLst>
+              <a:ext uri="{FF2B5EF4-FFF2-40B4-BE49-F238E27FC236}">
+                <a16:creationId xmlns:a16="http://schemas.microsoft.com/office/drawing/2014/main" id="{9BBDC3D0-87B6-42FE-AB31-BB1885D38662}"/>
+              </a:ext>
+            </a:extLst>
+          </p:cNvPr>
+          <p:cNvSpPr txBox="1"/>
+          <p:nvPr/>
+        </p:nvSpPr>
+        <p:spPr>
+          <a:xfrm>
+            <a:off x="6383808" y="4775431"/>
+            <a:ext cx="2636013" cy="307777"/>
+          </a:xfrm>
+          <a:prstGeom prst="rect">
+            <a:avLst/>
+          </a:prstGeom>
+          <a:noFill/>
+        </p:spPr>
+        <p:txBody>
+          <a:bodyPr wrap="square" rtlCol="0">
+            <a:spAutoFit/>
+          </a:bodyPr>
+          <a:lstStyle/>
+          <a:p>
+            <a:r>
+              <a:rPr lang="en-GB" dirty="0"/>
+              <a:t>Source:- wikipedia.org</a:t>
+            </a:r>
+            <a:endParaRPr lang="en-IN" dirty="0"/>
+          </a:p>
+        </p:txBody>
+      </p:sp>
     </p:spTree>
   </p:cSld>
   <p:clrMapOvr>
@@ -9651,7 +9674,7 @@
         </p:nvSpPr>
         <p:spPr>
           <a:xfrm>
-            <a:off x="828674" y="329520"/>
+            <a:off x="427975" y="453698"/>
             <a:ext cx="7500939" cy="561600"/>
           </a:xfrm>
           <a:prstGeom prst="rect">
@@ -9706,7 +9729,7 @@
         <p:spPr>
           <a:xfrm>
             <a:off x="427975" y="1610500"/>
-            <a:ext cx="8228400" cy="4383300"/>
+            <a:ext cx="8228400" cy="3796878"/>
           </a:xfrm>
           <a:prstGeom prst="rect">
             <a:avLst/>
@@ -9736,9 +9759,8 @@
               <a:buChar char="•"/>
             </a:pPr>
             <a:r>
-              <a:rPr lang="en-IN" sz="2000" dirty="0">
+              <a:rPr lang="en-IN" sz="2400" dirty="0">
                 <a:latin typeface="Times New Roman" panose="02020603050405020304" pitchFamily="18" charset="0"/>
-                <a:ea typeface="Times New Roman"/>
                 <a:cs typeface="Times New Roman" panose="02020603050405020304" pitchFamily="18" charset="0"/>
                 <a:sym typeface="Times New Roman"/>
               </a:rPr>
@@ -9760,7 +9782,7 @@
               <a:buChar char="•"/>
             </a:pPr>
             <a:r>
-              <a:rPr lang="en-IN" sz="1600" dirty="0">
+              <a:rPr lang="en-IN" sz="1800" dirty="0">
                 <a:latin typeface="Times New Roman" panose="02020603050405020304" pitchFamily="18" charset="0"/>
                 <a:ea typeface="Times New Roman"/>
                 <a:cs typeface="Times New Roman" panose="02020603050405020304" pitchFamily="18" charset="0"/>
@@ -9784,7 +9806,7 @@
               <a:buChar char="•"/>
             </a:pPr>
             <a:r>
-              <a:rPr lang="en-IN" sz="1600" dirty="0">
+              <a:rPr lang="en-IN" sz="1800" dirty="0">
                 <a:latin typeface="Times New Roman" panose="02020603050405020304" pitchFamily="18" charset="0"/>
                 <a:ea typeface="Times New Roman"/>
                 <a:cs typeface="Times New Roman" panose="02020603050405020304" pitchFamily="18" charset="0"/>
@@ -9808,12 +9830,38 @@
               <a:buChar char="•"/>
             </a:pPr>
             <a:r>
-              <a:rPr lang="en-IN" sz="2000" dirty="0">
+              <a:rPr lang="en-IN" sz="1800" dirty="0">
                 <a:latin typeface="Times New Roman" panose="02020603050405020304" pitchFamily="18" charset="0"/>
                 <a:cs typeface="Times New Roman" panose="02020603050405020304" pitchFamily="18" charset="0"/>
               </a:rPr>
-              <a:t>Warnsdorff’s  </a:t>
+              <a:t>Warnsdorff’s </a:t>
             </a:r>
+            <a:r>
+              <a:rPr lang="en-IN" sz="2400" dirty="0">
+                <a:latin typeface="Times New Roman" panose="02020603050405020304" pitchFamily="18" charset="0"/>
+                <a:cs typeface="Times New Roman" panose="02020603050405020304" pitchFamily="18" charset="0"/>
+              </a:rPr>
+              <a:t> </a:t>
+            </a:r>
+          </a:p>
+          <a:p>
+            <a:pPr marL="342900">
+              <a:lnSpc>
+                <a:spcPct val="90000"/>
+              </a:lnSpc>
+              <a:spcBef>
+                <a:spcPts val="600"/>
+              </a:spcBef>
+              <a:spcAft>
+                <a:spcPts val="600"/>
+              </a:spcAft>
+              <a:buFont typeface="Arial" panose="020B0604020202020204" pitchFamily="34" charset="0"/>
+              <a:buChar char="•"/>
+            </a:pPr>
+            <a:endParaRPr lang="en-IN" sz="2400" dirty="0">
+              <a:latin typeface="Times New Roman" panose="02020603050405020304" pitchFamily="18" charset="0"/>
+              <a:cs typeface="Times New Roman" panose="02020603050405020304" pitchFamily="18" charset="0"/>
+            </a:endParaRPr>
           </a:p>
           <a:p>
             <a:pPr marL="342900">
@@ -9852,7 +9900,7 @@
               <a:buChar char="•"/>
             </a:pPr>
             <a:r>
-              <a:rPr lang="en-IN" sz="1600" dirty="0">
+              <a:rPr lang="en-IN" sz="1800" dirty="0">
                 <a:latin typeface="Times New Roman" panose="02020603050405020304" pitchFamily="18" charset="0"/>
                 <a:ea typeface="Times New Roman"/>
                 <a:cs typeface="Times New Roman" panose="02020603050405020304" pitchFamily="18" charset="0"/>
@@ -9876,7 +9924,7 @@
               <a:buChar char="•"/>
             </a:pPr>
             <a:r>
-              <a:rPr lang="en-IN" sz="1600" dirty="0">
+              <a:rPr lang="en-IN" sz="1800" dirty="0">
                 <a:latin typeface="Times New Roman" panose="02020603050405020304" pitchFamily="18" charset="0"/>
                 <a:ea typeface="Times New Roman"/>
                 <a:cs typeface="Times New Roman" panose="02020603050405020304" pitchFamily="18" charset="0"/>
@@ -9884,7 +9932,7 @@
               </a:rPr>
               <a:t>Ant Colony Optimization</a:t>
             </a:r>
-            <a:endParaRPr sz="1600" dirty="0">
+            <a:endParaRPr sz="1800" dirty="0">
               <a:latin typeface="Times New Roman" panose="02020603050405020304" pitchFamily="18" charset="0"/>
               <a:ea typeface="Times New Roman"/>
               <a:cs typeface="Times New Roman" panose="02020603050405020304" pitchFamily="18" charset="0"/>
@@ -10021,8 +10069,8 @@
         </p:nvSpPr>
         <p:spPr>
           <a:xfrm>
-            <a:off x="416560" y="1950720"/>
-            <a:ext cx="8087360" cy="3539430"/>
+            <a:off x="314960" y="1659285"/>
+            <a:ext cx="8501662" cy="3970318"/>
           </a:xfrm>
           <a:prstGeom prst="rect">
             <a:avLst/>
@@ -10035,135 +10083,187 @@
           </a:bodyPr>
           <a:lstStyle/>
           <a:p>
+            <a:pPr algn="just"/>
             <a:r>
               <a:rPr lang="en-IN" dirty="0">
                 <a:latin typeface="Times New Roman" panose="02020603050405020304" pitchFamily="18" charset="0"/>
                 <a:cs typeface="Times New Roman" panose="02020603050405020304" pitchFamily="18" charset="0"/>
               </a:rPr>
-              <a:t> compared the performance of algorithms on 8 x 8 chess board.</a:t>
+              <a:t>On comparing the performance of algorithms on 8 x 8 chess board, we witnessed that the suggested novel approaches perform well. </a:t>
             </a:r>
           </a:p>
           <a:p>
+            <a:pPr algn="just"/>
             <a:endParaRPr lang="en-IN" dirty="0">
               <a:latin typeface="Times New Roman" panose="02020603050405020304" pitchFamily="18" charset="0"/>
               <a:cs typeface="Times New Roman" panose="02020603050405020304" pitchFamily="18" charset="0"/>
             </a:endParaRPr>
           </a:p>
           <a:p>
+            <a:pPr algn="just"/>
             <a:r>
               <a:rPr lang="en-IN" dirty="0">
                 <a:latin typeface="Times New Roman" panose="02020603050405020304" pitchFamily="18" charset="0"/>
                 <a:cs typeface="Times New Roman" panose="02020603050405020304" pitchFamily="18" charset="0"/>
               </a:rPr>
-              <a:t>Our novel approaches perform well </a:t>
+              <a:t>A description of the working methods of various algorithms used for the Knight’s Tour Problem is mentioned below. </a:t>
             </a:r>
           </a:p>
           <a:p>
+            <a:pPr algn="just"/>
             <a:endParaRPr lang="en-IN" dirty="0">
               <a:latin typeface="Times New Roman" panose="02020603050405020304" pitchFamily="18" charset="0"/>
               <a:cs typeface="Times New Roman" panose="02020603050405020304" pitchFamily="18" charset="0"/>
             </a:endParaRPr>
           </a:p>
           <a:p>
+            <a:pPr algn="just"/>
+            <a:r>
+              <a:rPr lang="en-IN" b="1" dirty="0">
+                <a:latin typeface="Times New Roman" panose="02020603050405020304" pitchFamily="18" charset="0"/>
+                <a:cs typeface="Times New Roman" panose="02020603050405020304" pitchFamily="18" charset="0"/>
+              </a:rPr>
+              <a:t>Depth First Search </a:t>
+            </a:r>
             <a:r>
               <a:rPr lang="en-IN" dirty="0">
                 <a:latin typeface="Times New Roman" panose="02020603050405020304" pitchFamily="18" charset="0"/>
                 <a:cs typeface="Times New Roman" panose="02020603050405020304" pitchFamily="18" charset="0"/>
               </a:rPr>
-              <a:t>Depth first search</a:t>
+              <a:t>is an old off the shelve approach with large time and space complexity.</a:t>
             </a:r>
           </a:p>
           <a:p>
+            <a:pPr algn="just"/>
+            <a:endParaRPr lang="en-IN" dirty="0">
+              <a:latin typeface="Times New Roman" panose="02020603050405020304" pitchFamily="18" charset="0"/>
+              <a:cs typeface="Times New Roman" panose="02020603050405020304" pitchFamily="18" charset="0"/>
+            </a:endParaRPr>
+          </a:p>
+          <a:p>
+            <a:pPr algn="just"/>
+            <a:r>
+              <a:rPr lang="en-IN" b="1" dirty="0" err="1">
+                <a:latin typeface="Times New Roman" panose="02020603050405020304" pitchFamily="18" charset="0"/>
+                <a:cs typeface="Times New Roman" panose="02020603050405020304" pitchFamily="18" charset="0"/>
+              </a:rPr>
+              <a:t>Warnsdorff’s</a:t>
+            </a:r>
+            <a:r>
+              <a:rPr lang="en-IN" b="1" dirty="0">
+                <a:latin typeface="Times New Roman" panose="02020603050405020304" pitchFamily="18" charset="0"/>
+                <a:cs typeface="Times New Roman" panose="02020603050405020304" pitchFamily="18" charset="0"/>
+              </a:rPr>
+              <a:t> Algorithm </a:t>
+            </a:r>
             <a:r>
               <a:rPr lang="en-IN" dirty="0">
                 <a:latin typeface="Times New Roman" panose="02020603050405020304" pitchFamily="18" charset="0"/>
                 <a:cs typeface="Times New Roman" panose="02020603050405020304" pitchFamily="18" charset="0"/>
               </a:rPr>
-              <a:t>	old off the shelve approach with large time and space complexity</a:t>
+              <a:t>proved to be non deterministic and unreliable.</a:t>
             </a:r>
           </a:p>
           <a:p>
+            <a:pPr algn="just"/>
+            <a:endParaRPr lang="en-IN" dirty="0">
+              <a:latin typeface="Times New Roman" panose="02020603050405020304" pitchFamily="18" charset="0"/>
+              <a:cs typeface="Times New Roman" panose="02020603050405020304" pitchFamily="18" charset="0"/>
+            </a:endParaRPr>
+          </a:p>
+          <a:p>
+            <a:pPr algn="just"/>
+            <a:r>
+              <a:rPr lang="en-IN" b="1" dirty="0">
+                <a:latin typeface="Times New Roman" panose="02020603050405020304" pitchFamily="18" charset="0"/>
+                <a:cs typeface="Times New Roman" panose="02020603050405020304" pitchFamily="18" charset="0"/>
+              </a:rPr>
+              <a:t>Backtracking</a:t>
+            </a:r>
             <a:r>
               <a:rPr lang="en-IN" dirty="0">
                 <a:latin typeface="Times New Roman" panose="02020603050405020304" pitchFamily="18" charset="0"/>
                 <a:cs typeface="Times New Roman" panose="02020603050405020304" pitchFamily="18" charset="0"/>
               </a:rPr>
-              <a:t>Warnsdorff’s Algorithm</a:t>
+              <a:t> was slower and lead to dead ends in some use cases. </a:t>
             </a:r>
           </a:p>
           <a:p>
+            <a:pPr algn="just"/>
+            <a:endParaRPr lang="en-IN" b="1" dirty="0">
+              <a:latin typeface="Times New Roman" panose="02020603050405020304" pitchFamily="18" charset="0"/>
+              <a:cs typeface="Times New Roman" panose="02020603050405020304" pitchFamily="18" charset="0"/>
+            </a:endParaRPr>
+          </a:p>
+          <a:p>
+            <a:pPr algn="just"/>
+            <a:r>
+              <a:rPr lang="en-IN" b="1" dirty="0">
+                <a:latin typeface="Times New Roman" panose="02020603050405020304" pitchFamily="18" charset="0"/>
+                <a:cs typeface="Times New Roman" panose="02020603050405020304" pitchFamily="18" charset="0"/>
+              </a:rPr>
+              <a:t>Neural Network </a:t>
+            </a:r>
             <a:r>
               <a:rPr lang="en-IN" dirty="0">
                 <a:latin typeface="Times New Roman" panose="02020603050405020304" pitchFamily="18" charset="0"/>
                 <a:cs typeface="Times New Roman" panose="02020603050405020304" pitchFamily="18" charset="0"/>
               </a:rPr>
-              <a:t>	non deterministic and unreliable</a:t>
+              <a:t>solution showed faster computation and is also suitable for larger sized boards</a:t>
             </a:r>
           </a:p>
           <a:p>
+            <a:pPr algn="just"/>
+            <a:endParaRPr lang="en-IN" b="1" dirty="0">
+              <a:latin typeface="Times New Roman" panose="02020603050405020304" pitchFamily="18" charset="0"/>
+              <a:cs typeface="Times New Roman" panose="02020603050405020304" pitchFamily="18" charset="0"/>
+            </a:endParaRPr>
+          </a:p>
+          <a:p>
+            <a:pPr algn="just"/>
+            <a:r>
+              <a:rPr lang="en-IN" b="1" dirty="0">
+                <a:latin typeface="Times New Roman" panose="02020603050405020304" pitchFamily="18" charset="0"/>
+                <a:cs typeface="Times New Roman" panose="02020603050405020304" pitchFamily="18" charset="0"/>
+              </a:rPr>
+              <a:t>Ant Colony Optimization </a:t>
+            </a:r>
             <a:r>
               <a:rPr lang="en-IN" dirty="0">
                 <a:latin typeface="Times New Roman" panose="02020603050405020304" pitchFamily="18" charset="0"/>
                 <a:cs typeface="Times New Roman" panose="02020603050405020304" pitchFamily="18" charset="0"/>
               </a:rPr>
-              <a:t>Backtracking</a:t>
+              <a:t>depicted the following:</a:t>
             </a:r>
           </a:p>
           <a:p>
+            <a:pPr marL="285750" lvl="6" indent="-285750" algn="just">
+              <a:buFont typeface="Arial" panose="020B0604020202020204" pitchFamily="34" charset="0"/>
+              <a:buChar char="•"/>
+            </a:pPr>
             <a:r>
               <a:rPr lang="en-IN" dirty="0">
                 <a:latin typeface="Times New Roman" panose="02020603050405020304" pitchFamily="18" charset="0"/>
                 <a:cs typeface="Times New Roman" panose="02020603050405020304" pitchFamily="18" charset="0"/>
               </a:rPr>
-              <a:t>	slower and lead to dead ends</a:t>
+              <a:t>Single ant colony converge to one path and may lead to dead end.</a:t>
             </a:r>
           </a:p>
           <a:p>
+            <a:pPr marL="285750" lvl="6" indent="-285750" algn="just">
+              <a:buFont typeface="Arial" panose="020B0604020202020204" pitchFamily="34" charset="0"/>
+              <a:buChar char="•"/>
+            </a:pPr>
             <a:r>
               <a:rPr lang="en-IN" dirty="0">
                 <a:latin typeface="Times New Roman" panose="02020603050405020304" pitchFamily="18" charset="0"/>
                 <a:cs typeface="Times New Roman" panose="02020603050405020304" pitchFamily="18" charset="0"/>
               </a:rPr>
-              <a:t>Neural network solution</a:t>
+              <a:t>Multiple ant colony lead to multiple optimum paths</a:t>
             </a:r>
           </a:p>
           <a:p>
-            <a:r>
-              <a:rPr lang="en-IN" dirty="0">
-                <a:latin typeface="Times New Roman" panose="02020603050405020304" pitchFamily="18" charset="0"/>
-                <a:cs typeface="Times New Roman" panose="02020603050405020304" pitchFamily="18" charset="0"/>
-              </a:rPr>
-              <a:t>	faster computation and also suitable for larger sized boards</a:t>
-            </a:r>
-          </a:p>
-          <a:p>
-            <a:r>
-              <a:rPr lang="en-IN" dirty="0">
-                <a:latin typeface="Times New Roman" panose="02020603050405020304" pitchFamily="18" charset="0"/>
-                <a:cs typeface="Times New Roman" panose="02020603050405020304" pitchFamily="18" charset="0"/>
-              </a:rPr>
-              <a:t>Ant colony optimization</a:t>
-            </a:r>
-          </a:p>
-          <a:p>
-            <a:r>
-              <a:rPr lang="en-IN" dirty="0">
-                <a:latin typeface="Times New Roman" panose="02020603050405020304" pitchFamily="18" charset="0"/>
-                <a:cs typeface="Times New Roman" panose="02020603050405020304" pitchFamily="18" charset="0"/>
-              </a:rPr>
-              <a:t>	single ant colony converge to one path and may lead to dead end</a:t>
-            </a:r>
-          </a:p>
-          <a:p>
-            <a:r>
-              <a:rPr lang="en-IN" dirty="0">
-                <a:latin typeface="Times New Roman" panose="02020603050405020304" pitchFamily="18" charset="0"/>
-                <a:cs typeface="Times New Roman" panose="02020603050405020304" pitchFamily="18" charset="0"/>
-              </a:rPr>
-              <a:t>	multiple ant colony lead to multiple optimum paths</a:t>
-            </a:r>
-          </a:p>
-          <a:p>
+            <a:pPr algn="just"/>
             <a:r>
               <a:rPr lang="en-IN" dirty="0">
                 <a:latin typeface="Times New Roman" panose="02020603050405020304" pitchFamily="18" charset="0"/>
